--- a/Fast Fourier Transform.pptx
+++ b/Fast Fourier Transform.pptx
@@ -17,6 +17,7 @@
     <p:sldId id="265" r:id="rId11"/>
     <p:sldId id="266" r:id="rId12"/>
     <p:sldId id="267" r:id="rId13"/>
+    <p:sldId id="268" r:id="rId14"/>
   </p:sldIdLst>
   <p:sldSz cx="12192000" cy="6858000"/>
   <p:notesSz cx="6858000" cy="9144000"/>
@@ -115,6 +116,11 @@
       </a:defRPr>
     </a:lvl9pPr>
   </p:defaultTextStyle>
+  <p:extLst>
+    <p:ext uri="{EFAFB233-063F-42B5-8137-9DF3F51BA10A}">
+      <p15:sldGuideLst xmlns:p15="http://schemas.microsoft.com/office/powerpoint/2012/main"/>
+    </p:ext>
+  </p:extLst>
 </p:presentation>
 </file>
 
@@ -3536,6 +3542,113 @@
 </p:sld>
 </file>
 
+<file path=ppt/slides/slide13.xml><?xml version="1.0" encoding="utf-8"?>
+<p:sld xmlns:a="http://schemas.openxmlformats.org/drawingml/2006/main" xmlns:r="http://schemas.openxmlformats.org/officeDocument/2006/relationships" xmlns:p="http://schemas.openxmlformats.org/presentationml/2006/main">
+  <p:cSld>
+    <p:spTree>
+      <p:nvGrpSpPr>
+        <p:cNvPr id="1" name=""/>
+        <p:cNvGrpSpPr/>
+        <p:nvPr/>
+      </p:nvGrpSpPr>
+      <p:grpSpPr>
+        <a:xfrm>
+          <a:off x="0" y="0"/>
+          <a:ext cx="0" cy="0"/>
+          <a:chOff x="0" y="0"/>
+          <a:chExt cx="0" cy="0"/>
+        </a:xfrm>
+      </p:grpSpPr>
+      <p:sp>
+        <p:nvSpPr>
+          <p:cNvPr id="2" name="Titolo 1">
+            <a:extLst>
+              <a:ext uri="{FF2B5EF4-FFF2-40B4-BE49-F238E27FC236}">
+                <a16:creationId xmlns:a16="http://schemas.microsoft.com/office/drawing/2014/main" id="{A80525E4-E3CE-C2D0-84FE-1B7FC689DE30}"/>
+              </a:ext>
+            </a:extLst>
+          </p:cNvPr>
+          <p:cNvSpPr>
+            <a:spLocks noGrp="1"/>
+          </p:cNvSpPr>
+          <p:nvPr>
+            <p:ph type="title"/>
+          </p:nvPr>
+        </p:nvSpPr>
+        <p:spPr>
+          <a:xfrm>
+            <a:off x="838200" y="365125"/>
+            <a:ext cx="10515600" cy="1027447"/>
+          </a:xfrm>
+        </p:spPr>
+        <p:txBody>
+          <a:bodyPr/>
+          <a:lstStyle/>
+          <a:p>
+            <a:r>
+              <a:rPr lang="it-IT">
+                <a:solidFill>
+                  <a:srgbClr val="0070C0"/>
+                </a:solidFill>
+              </a:rPr>
+              <a:t>Time comparison</a:t>
+            </a:r>
+            <a:endParaRPr lang="it-IT" dirty="0">
+              <a:solidFill>
+                <a:srgbClr val="0070C0"/>
+              </a:solidFill>
+            </a:endParaRPr>
+          </a:p>
+        </p:txBody>
+      </p:sp>
+      <p:pic>
+        <p:nvPicPr>
+          <p:cNvPr id="5" name="Segnaposto contenuto 4">
+            <a:extLst>
+              <a:ext uri="{FF2B5EF4-FFF2-40B4-BE49-F238E27FC236}">
+                <a16:creationId xmlns:a16="http://schemas.microsoft.com/office/drawing/2014/main" id="{E9917FAF-C07A-EAEE-A63A-C8DAF459A390}"/>
+              </a:ext>
+            </a:extLst>
+          </p:cNvPr>
+          <p:cNvPicPr>
+            <a:picLocks noGrp="1" noChangeAspect="1"/>
+          </p:cNvPicPr>
+          <p:nvPr>
+            <p:ph idx="1"/>
+          </p:nvPr>
+        </p:nvPicPr>
+        <p:blipFill>
+          <a:blip r:embed="rId2">
+            <a:extLst>
+              <a:ext uri="{28A0092B-C50C-407E-A947-70E740481C1C}">
+                <a14:useLocalDpi xmlns:a14="http://schemas.microsoft.com/office/drawing/2010/main" val="0"/>
+              </a:ext>
+            </a:extLst>
+          </a:blip>
+          <a:stretch>
+            <a:fillRect/>
+          </a:stretch>
+        </p:blipFill>
+        <p:spPr>
+          <a:xfrm>
+            <a:off x="2868389" y="1392572"/>
+            <a:ext cx="6455221" cy="4841415"/>
+          </a:xfrm>
+        </p:spPr>
+      </p:pic>
+    </p:spTree>
+    <p:extLst>
+      <p:ext uri="{BB962C8B-B14F-4D97-AF65-F5344CB8AC3E}">
+        <p14:creationId xmlns:p14="http://schemas.microsoft.com/office/powerpoint/2010/main" val="282939880"/>
+      </p:ext>
+    </p:extLst>
+  </p:cSld>
+  <p:clrMapOvr>
+    <a:masterClrMapping/>
+  </p:clrMapOvr>
+</p:sld>
+</file>
+
 <file path=ppt/slides/slide2.xml><?xml version="1.0" encoding="utf-8"?>
 <p:sld xmlns:a="http://schemas.openxmlformats.org/drawingml/2006/main" xmlns:r="http://schemas.openxmlformats.org/officeDocument/2006/relationships" xmlns:p="http://schemas.openxmlformats.org/presentationml/2006/main">
   <p:cSld>
@@ -3614,8 +3727,8 @@
           </a:p>
         </p:txBody>
       </p:sp>
-      <mc:AlternateContent xmlns:mc="http://schemas.openxmlformats.org/markup-compatibility/2006">
-        <mc:Choice xmlns:a14="http://schemas.microsoft.com/office/drawing/2010/main" Requires="a14">
+      <mc:AlternateContent xmlns:mc="http://schemas.openxmlformats.org/markup-compatibility/2006" xmlns:a14="http://schemas.microsoft.com/office/drawing/2010/main">
+        <mc:Choice Requires="a14">
           <p:sp>
             <p:nvSpPr>
               <p:cNvPr id="3" name="Segnaposto contenuto 2">
@@ -4078,13 +4191,7 @@
                             <a:rPr lang="it-IT" b="0" i="1" smtClean="0">
                               <a:latin typeface="Cambria Math" panose="02040503050406030204" pitchFamily="18" charset="0"/>
                             </a:rPr>
-                            <m:t>/2</m:t>
-                          </m:r>
-                          <m:r>
-                            <a:rPr lang="it-IT" b="0" i="1" smtClean="0">
-                              <a:latin typeface="Cambria Math" panose="02040503050406030204" pitchFamily="18" charset="0"/>
-                            </a:rPr>
-                            <m:t>−1</m:t>
+                            <m:t>/2−1</m:t>
                           </m:r>
                         </m:sup>
                         <m:e>
@@ -4191,13 +4298,7 @@
                                 <a:rPr lang="it-IT" b="0" i="1" smtClean="0">
                                   <a:latin typeface="Cambria Math" panose="02040503050406030204" pitchFamily="18" charset="0"/>
                                 </a:rPr>
-                                <m:t>𝑚</m:t>
-                              </m:r>
-                              <m:r>
-                                <a:rPr lang="it-IT" b="0" i="1" smtClean="0">
-                                  <a:latin typeface="Cambria Math" panose="02040503050406030204" pitchFamily="18" charset="0"/>
-                                </a:rPr>
-                                <m:t>𝑘</m:t>
+                                <m:t>𝑚𝑘</m:t>
                               </m:r>
                             </m:sup>
                           </m:sSup>
@@ -4672,7 +4773,7 @@
             </p:txBody>
           </p:sp>
         </mc:Choice>
-        <mc:Fallback>
+        <mc:Fallback xmlns="">
           <p:sp>
             <p:nvSpPr>
               <p:cNvPr id="3" name="Segnaposto contenuto 2">
@@ -4746,8 +4847,8 @@
           <a:chExt cx="0" cy="0"/>
         </a:xfrm>
       </p:grpSpPr>
-      <mc:AlternateContent xmlns:mc="http://schemas.openxmlformats.org/markup-compatibility/2006">
-        <mc:Choice xmlns:a14="http://schemas.microsoft.com/office/drawing/2010/main" Requires="a14">
+      <mc:AlternateContent xmlns:mc="http://schemas.openxmlformats.org/markup-compatibility/2006" xmlns:a14="http://schemas.microsoft.com/office/drawing/2010/main">
+        <mc:Choice Requires="a14">
           <p:sp>
             <p:nvSpPr>
               <p:cNvPr id="3" name="Segnaposto contenuto 2">
@@ -5822,7 +5923,7 @@
             </p:txBody>
           </p:sp>
         </mc:Choice>
-        <mc:Fallback>
+        <mc:Fallback xmlns="">
           <p:sp>
             <p:nvSpPr>
               <p:cNvPr id="3" name="Segnaposto contenuto 2">

--- a/Fast Fourier Transform.pptx
+++ b/Fast Fourier Transform.pptx
@@ -17,7 +17,9 @@
     <p:sldId id="265" r:id="rId11"/>
     <p:sldId id="266" r:id="rId12"/>
     <p:sldId id="267" r:id="rId13"/>
-    <p:sldId id="268" r:id="rId14"/>
+    <p:sldId id="269" r:id="rId14"/>
+    <p:sldId id="270" r:id="rId15"/>
+    <p:sldId id="268" r:id="rId16"/>
   </p:sldIdLst>
   <p:sldSz cx="12192000" cy="6858000"/>
   <p:notesSz cx="6858000" cy="9144000"/>
@@ -255,7 +257,7 @@
           <a:p>
             <a:fld id="{F6108E14-C187-46E0-A2A4-C0243D906EDE}" type="datetimeFigureOut">
               <a:rPr lang="it-IT" smtClean="0"/>
-              <a:t>21/12/2022</a:t>
+              <a:t>22/12/2022</a:t>
             </a:fld>
             <a:endParaRPr lang="it-IT"/>
           </a:p>
@@ -425,7 +427,7 @@
           <a:p>
             <a:fld id="{F6108E14-C187-46E0-A2A4-C0243D906EDE}" type="datetimeFigureOut">
               <a:rPr lang="it-IT" smtClean="0"/>
-              <a:t>21/12/2022</a:t>
+              <a:t>22/12/2022</a:t>
             </a:fld>
             <a:endParaRPr lang="it-IT"/>
           </a:p>
@@ -605,7 +607,7 @@
           <a:p>
             <a:fld id="{F6108E14-C187-46E0-A2A4-C0243D906EDE}" type="datetimeFigureOut">
               <a:rPr lang="it-IT" smtClean="0"/>
-              <a:t>21/12/2022</a:t>
+              <a:t>22/12/2022</a:t>
             </a:fld>
             <a:endParaRPr lang="it-IT"/>
           </a:p>
@@ -775,7 +777,7 @@
           <a:p>
             <a:fld id="{F6108E14-C187-46E0-A2A4-C0243D906EDE}" type="datetimeFigureOut">
               <a:rPr lang="it-IT" smtClean="0"/>
-              <a:t>21/12/2022</a:t>
+              <a:t>22/12/2022</a:t>
             </a:fld>
             <a:endParaRPr lang="it-IT"/>
           </a:p>
@@ -1021,7 +1023,7 @@
           <a:p>
             <a:fld id="{F6108E14-C187-46E0-A2A4-C0243D906EDE}" type="datetimeFigureOut">
               <a:rPr lang="it-IT" smtClean="0"/>
-              <a:t>21/12/2022</a:t>
+              <a:t>22/12/2022</a:t>
             </a:fld>
             <a:endParaRPr lang="it-IT"/>
           </a:p>
@@ -1253,7 +1255,7 @@
           <a:p>
             <a:fld id="{F6108E14-C187-46E0-A2A4-C0243D906EDE}" type="datetimeFigureOut">
               <a:rPr lang="it-IT" smtClean="0"/>
-              <a:t>21/12/2022</a:t>
+              <a:t>22/12/2022</a:t>
             </a:fld>
             <a:endParaRPr lang="it-IT"/>
           </a:p>
@@ -1620,7 +1622,7 @@
           <a:p>
             <a:fld id="{F6108E14-C187-46E0-A2A4-C0243D906EDE}" type="datetimeFigureOut">
               <a:rPr lang="it-IT" smtClean="0"/>
-              <a:t>21/12/2022</a:t>
+              <a:t>22/12/2022</a:t>
             </a:fld>
             <a:endParaRPr lang="it-IT"/>
           </a:p>
@@ -1738,7 +1740,7 @@
           <a:p>
             <a:fld id="{F6108E14-C187-46E0-A2A4-C0243D906EDE}" type="datetimeFigureOut">
               <a:rPr lang="it-IT" smtClean="0"/>
-              <a:t>21/12/2022</a:t>
+              <a:t>22/12/2022</a:t>
             </a:fld>
             <a:endParaRPr lang="it-IT"/>
           </a:p>
@@ -1833,7 +1835,7 @@
           <a:p>
             <a:fld id="{F6108E14-C187-46E0-A2A4-C0243D906EDE}" type="datetimeFigureOut">
               <a:rPr lang="it-IT" smtClean="0"/>
-              <a:t>21/12/2022</a:t>
+              <a:t>22/12/2022</a:t>
             </a:fld>
             <a:endParaRPr lang="it-IT"/>
           </a:p>
@@ -2110,7 +2112,7 @@
           <a:p>
             <a:fld id="{F6108E14-C187-46E0-A2A4-C0243D906EDE}" type="datetimeFigureOut">
               <a:rPr lang="it-IT" smtClean="0"/>
-              <a:t>21/12/2022</a:t>
+              <a:t>22/12/2022</a:t>
             </a:fld>
             <a:endParaRPr lang="it-IT"/>
           </a:p>
@@ -2367,7 +2369,7 @@
           <a:p>
             <a:fld id="{F6108E14-C187-46E0-A2A4-C0243D906EDE}" type="datetimeFigureOut">
               <a:rPr lang="it-IT" smtClean="0"/>
-              <a:t>21/12/2022</a:t>
+              <a:t>22/12/2022</a:t>
             </a:fld>
             <a:endParaRPr lang="it-IT"/>
           </a:p>
@@ -2580,7 +2582,7 @@
           <a:p>
             <a:fld id="{F6108E14-C187-46E0-A2A4-C0243D906EDE}" type="datetimeFigureOut">
               <a:rPr lang="it-IT" smtClean="0"/>
-              <a:t>21/12/2022</a:t>
+              <a:t>22/12/2022</a:t>
             </a:fld>
             <a:endParaRPr lang="it-IT"/>
           </a:p>
@@ -3543,6 +3545,238 @@
 </file>
 
 <file path=ppt/slides/slide13.xml><?xml version="1.0" encoding="utf-8"?>
+<p:sld xmlns:a="http://schemas.openxmlformats.org/drawingml/2006/main" xmlns:r="http://schemas.openxmlformats.org/officeDocument/2006/relationships" xmlns:p="http://schemas.openxmlformats.org/presentationml/2006/main">
+  <p:cSld>
+    <p:spTree>
+      <p:nvGrpSpPr>
+        <p:cNvPr id="1" name=""/>
+        <p:cNvGrpSpPr/>
+        <p:nvPr/>
+      </p:nvGrpSpPr>
+      <p:grpSpPr>
+        <a:xfrm>
+          <a:off x="0" y="0"/>
+          <a:ext cx="0" cy="0"/>
+          <a:chOff x="0" y="0"/>
+          <a:chExt cx="0" cy="0"/>
+        </a:xfrm>
+      </p:grpSpPr>
+      <p:sp>
+        <p:nvSpPr>
+          <p:cNvPr id="4" name="Titolo 1">
+            <a:extLst>
+              <a:ext uri="{FF2B5EF4-FFF2-40B4-BE49-F238E27FC236}">
+                <a16:creationId xmlns:a16="http://schemas.microsoft.com/office/drawing/2014/main" id="{A5BE9672-3995-8373-B7CC-B79425393A77}"/>
+              </a:ext>
+            </a:extLst>
+          </p:cNvPr>
+          <p:cNvSpPr>
+            <a:spLocks noGrp="1"/>
+          </p:cNvSpPr>
+          <p:nvPr>
+            <p:ph type="title"/>
+          </p:nvPr>
+        </p:nvSpPr>
+        <p:spPr>
+          <a:xfrm>
+            <a:off x="1362323" y="2667400"/>
+            <a:ext cx="10515600" cy="1325563"/>
+          </a:xfrm>
+        </p:spPr>
+        <p:txBody>
+          <a:bodyPr/>
+          <a:lstStyle/>
+          <a:p>
+            <a:r>
+              <a:rPr lang="it-IT" dirty="0">
+                <a:solidFill>
+                  <a:srgbClr val="0070C0"/>
+                </a:solidFill>
+              </a:rPr>
+              <a:t>Inverse FFT</a:t>
+            </a:r>
+          </a:p>
+        </p:txBody>
+      </p:sp>
+      <p:pic>
+        <p:nvPicPr>
+          <p:cNvPr id="6" name="Immagine 5">
+            <a:extLst>
+              <a:ext uri="{FF2B5EF4-FFF2-40B4-BE49-F238E27FC236}">
+                <a16:creationId xmlns:a16="http://schemas.microsoft.com/office/drawing/2014/main" id="{BD0A7396-0725-6986-CD8C-5B29C4F3CFCB}"/>
+              </a:ext>
+            </a:extLst>
+          </p:cNvPr>
+          <p:cNvPicPr>
+            <a:picLocks noChangeAspect="1"/>
+          </p:cNvPicPr>
+          <p:nvPr/>
+        </p:nvPicPr>
+        <p:blipFill>
+          <a:blip r:embed="rId2"/>
+          <a:stretch>
+            <a:fillRect/>
+          </a:stretch>
+        </p:blipFill>
+        <p:spPr>
+          <a:xfrm>
+            <a:off x="6096000" y="167489"/>
+            <a:ext cx="4733677" cy="6325386"/>
+          </a:xfrm>
+          <a:prstGeom prst="rect">
+            <a:avLst/>
+          </a:prstGeom>
+        </p:spPr>
+      </p:pic>
+    </p:spTree>
+    <p:extLst>
+      <p:ext uri="{BB962C8B-B14F-4D97-AF65-F5344CB8AC3E}">
+        <p14:creationId xmlns:p14="http://schemas.microsoft.com/office/powerpoint/2010/main" val="121756153"/>
+      </p:ext>
+    </p:extLst>
+  </p:cSld>
+  <p:clrMapOvr>
+    <a:masterClrMapping/>
+  </p:clrMapOvr>
+</p:sld>
+</file>
+
+<file path=ppt/slides/slide14.xml><?xml version="1.0" encoding="utf-8"?>
+<p:sld xmlns:a="http://schemas.openxmlformats.org/drawingml/2006/main" xmlns:r="http://schemas.openxmlformats.org/officeDocument/2006/relationships" xmlns:p="http://schemas.openxmlformats.org/presentationml/2006/main">
+  <p:cSld>
+    <p:spTree>
+      <p:nvGrpSpPr>
+        <p:cNvPr id="1" name=""/>
+        <p:cNvGrpSpPr/>
+        <p:nvPr/>
+      </p:nvGrpSpPr>
+      <p:grpSpPr>
+        <a:xfrm>
+          <a:off x="0" y="0"/>
+          <a:ext cx="0" cy="0"/>
+          <a:chOff x="0" y="0"/>
+          <a:chExt cx="0" cy="0"/>
+        </a:xfrm>
+      </p:grpSpPr>
+      <p:sp>
+        <p:nvSpPr>
+          <p:cNvPr id="3" name="Segnaposto contenuto 2">
+            <a:extLst>
+              <a:ext uri="{FF2B5EF4-FFF2-40B4-BE49-F238E27FC236}">
+                <a16:creationId xmlns:a16="http://schemas.microsoft.com/office/drawing/2014/main" id="{EED80718-159E-8855-61FC-EC3AA65E8E6D}"/>
+              </a:ext>
+            </a:extLst>
+          </p:cNvPr>
+          <p:cNvSpPr>
+            <a:spLocks noGrp="1"/>
+          </p:cNvSpPr>
+          <p:nvPr>
+            <p:ph idx="1"/>
+          </p:nvPr>
+        </p:nvSpPr>
+        <p:spPr>
+          <a:xfrm>
+            <a:off x="0" y="2479249"/>
+            <a:ext cx="12196714" cy="4244468"/>
+          </a:xfrm>
+        </p:spPr>
+        <p:txBody>
+          <a:bodyPr/>
+          <a:lstStyle/>
+          <a:p>
+            <a:pPr marL="0" indent="0">
+              <a:buNone/>
+            </a:pPr>
+            <a:endParaRPr lang="it-IT" dirty="0"/>
+          </a:p>
+          <a:p>
+            <a:pPr marL="0" indent="0">
+              <a:buNone/>
+            </a:pPr>
+            <a:r>
+              <a:rPr lang="en-GB" sz="2700" dirty="0" err="1"/>
+              <a:t>mpic</a:t>
+            </a:r>
+            <a:r>
+              <a:rPr lang="en-GB" sz="2700" dirty="0"/>
+              <a:t>++ cooleytuck_parallel.cpp  -o </a:t>
+            </a:r>
+            <a:r>
+              <a:rPr lang="en-GB" sz="2700" dirty="0" err="1"/>
+              <a:t>cooleytucktuck_parallel</a:t>
+            </a:r>
+            <a:r>
+              <a:rPr lang="en-GB" sz="2700" dirty="0"/>
+              <a:t> -</a:t>
+            </a:r>
+            <a:r>
+              <a:rPr lang="en-GB" sz="2700" dirty="0" err="1"/>
+              <a:t>fopenmp</a:t>
+            </a:r>
+            <a:r>
+              <a:rPr lang="en-GB" sz="2700" dirty="0"/>
+              <a:t> -DTEST -DPRINT</a:t>
+            </a:r>
+          </a:p>
+          <a:p>
+            <a:pPr marL="0" indent="0">
+              <a:buNone/>
+            </a:pPr>
+            <a:endParaRPr lang="en-GB" dirty="0"/>
+          </a:p>
+        </p:txBody>
+      </p:sp>
+      <p:sp>
+        <p:nvSpPr>
+          <p:cNvPr id="4" name="Titolo 1">
+            <a:extLst>
+              <a:ext uri="{FF2B5EF4-FFF2-40B4-BE49-F238E27FC236}">
+                <a16:creationId xmlns:a16="http://schemas.microsoft.com/office/drawing/2014/main" id="{6C6A3797-0406-7AE0-EB28-642A6E18AFA8}"/>
+              </a:ext>
+            </a:extLst>
+          </p:cNvPr>
+          <p:cNvSpPr>
+            <a:spLocks noGrp="1"/>
+          </p:cNvSpPr>
+          <p:nvPr>
+            <p:ph type="title"/>
+          </p:nvPr>
+        </p:nvSpPr>
+        <p:spPr>
+          <a:xfrm>
+            <a:off x="640238" y="383978"/>
+            <a:ext cx="10515600" cy="1325563"/>
+          </a:xfrm>
+        </p:spPr>
+        <p:txBody>
+          <a:bodyPr/>
+          <a:lstStyle/>
+          <a:p>
+            <a:r>
+              <a:rPr lang="it-IT" dirty="0">
+                <a:solidFill>
+                  <a:srgbClr val="0070C0"/>
+                </a:solidFill>
+              </a:rPr>
+              <a:t>Compilation</a:t>
+            </a:r>
+          </a:p>
+        </p:txBody>
+      </p:sp>
+    </p:spTree>
+    <p:extLst>
+      <p:ext uri="{BB962C8B-B14F-4D97-AF65-F5344CB8AC3E}">
+        <p14:creationId xmlns:p14="http://schemas.microsoft.com/office/powerpoint/2010/main" val="1166112253"/>
+      </p:ext>
+    </p:extLst>
+  </p:cSld>
+  <p:clrMapOvr>
+    <a:masterClrMapping/>
+  </p:clrMapOvr>
+</p:sld>
+</file>
+
+<file path=ppt/slides/slide15.xml><?xml version="1.0" encoding="utf-8"?>
 <p:sld xmlns:a="http://schemas.openxmlformats.org/drawingml/2006/main" xmlns:r="http://schemas.openxmlformats.org/officeDocument/2006/relationships" xmlns:p="http://schemas.openxmlformats.org/presentationml/2006/main">
   <p:cSld>
     <p:spTree>
